--- a/Workshop_Presentation.pptx
+++ b/Workshop_Presentation.pptx
@@ -135,6 +135,11 @@
       </a:defRPr>
     </a:lvl9pPr>
   </p:defaultTextStyle>
+  <p:extLst>
+    <p:ext uri="{EFAFB233-063F-42B5-8137-9DF3F51BA10A}">
+      <p15:sldGuideLst xmlns:p15="http://schemas.microsoft.com/office/powerpoint/2012/main"/>
+    </p:ext>
+  </p:extLst>
 </p:presentation>
 </file>
 
@@ -2065,6 +2070,13 @@
   <p:clrMapOvr>
     <a:masterClrMapping/>
   </p:clrMapOvr>
+  <p:timing>
+    <p:tnLst>
+      <p:par>
+        <p:cTn id="1" dur="indefinite" restart="never" nodeType="tmRoot"/>
+      </p:par>
+    </p:tnLst>
+  </p:timing>
 </p:sldLayout>
 </file>
 
@@ -2585,6 +2597,13 @@
   <p:clrMapOvr>
     <a:masterClrMapping/>
   </p:clrMapOvr>
+  <p:timing>
+    <p:tnLst>
+      <p:par>
+        <p:cTn id="1" dur="indefinite" restart="never" nodeType="tmRoot"/>
+      </p:par>
+    </p:tnLst>
+  </p:timing>
 </p:sldLayout>
 </file>
 
@@ -2831,6 +2850,13 @@
   <p:clrMapOvr>
     <a:masterClrMapping/>
   </p:clrMapOvr>
+  <p:timing>
+    <p:tnLst>
+      <p:par>
+        <p:cTn id="1" dur="indefinite" restart="never" nodeType="tmRoot"/>
+      </p:par>
+    </p:tnLst>
+  </p:timing>
 </p:sldLayout>
 </file>
 
@@ -3063,6 +3089,13 @@
   <p:clrMapOvr>
     <a:masterClrMapping/>
   </p:clrMapOvr>
+  <p:timing>
+    <p:tnLst>
+      <p:par>
+        <p:cTn id="1" dur="indefinite" restart="never" nodeType="tmRoot"/>
+      </p:par>
+    </p:tnLst>
+  </p:timing>
 </p:sldLayout>
 </file>
 
@@ -3430,6 +3463,13 @@
   <p:clrMapOvr>
     <a:masterClrMapping/>
   </p:clrMapOvr>
+  <p:timing>
+    <p:tnLst>
+      <p:par>
+        <p:cTn id="1" dur="indefinite" restart="never" nodeType="tmRoot"/>
+      </p:par>
+    </p:tnLst>
+  </p:timing>
 </p:sldLayout>
 </file>
 
@@ -3548,6 +3588,13 @@
   <p:clrMapOvr>
     <a:masterClrMapping/>
   </p:clrMapOvr>
+  <p:timing>
+    <p:tnLst>
+      <p:par>
+        <p:cTn id="1" dur="indefinite" restart="never" nodeType="tmRoot"/>
+      </p:par>
+    </p:tnLst>
+  </p:timing>
 </p:sldLayout>
 </file>
 
@@ -3643,6 +3690,13 @@
   <p:clrMapOvr>
     <a:masterClrMapping/>
   </p:clrMapOvr>
+  <p:timing>
+    <p:tnLst>
+      <p:par>
+        <p:cTn id="1" dur="indefinite" restart="never" nodeType="tmRoot"/>
+      </p:par>
+    </p:tnLst>
+  </p:timing>
 </p:sldLayout>
 </file>
 
@@ -3920,6 +3974,13 @@
   <p:clrMapOvr>
     <a:masterClrMapping/>
   </p:clrMapOvr>
+  <p:timing>
+    <p:tnLst>
+      <p:par>
+        <p:cTn id="1" dur="indefinite" restart="never" nodeType="tmRoot"/>
+      </p:par>
+    </p:tnLst>
+  </p:timing>
 </p:sldLayout>
 </file>
 
@@ -4173,6 +4234,13 @@
   <p:clrMapOvr>
     <a:masterClrMapping/>
   </p:clrMapOvr>
+  <p:timing>
+    <p:tnLst>
+      <p:par>
+        <p:cTn id="1" dur="indefinite" restart="never" nodeType="tmRoot"/>
+      </p:par>
+    </p:tnLst>
+  </p:timing>
 </p:sldLayout>
 </file>
 
@@ -4224,10 +4292,10 @@
           <a:lstStyle/>
           <a:p>
             <a:r>
-              <a:rPr lang="en-US" smtClean="0"/>
+              <a:rPr lang="en-US" dirty="0" smtClean="0"/>
               <a:t>Click to edit Master title style</a:t>
             </a:r>
-            <a:endParaRPr lang="en-US"/>
+            <a:endParaRPr lang="en-US" dirty="0"/>
           </a:p>
         </p:txBody>
       </p:sp>
@@ -4258,38 +4326,38 @@
           <a:p>
             <a:pPr lvl="0"/>
             <a:r>
-              <a:rPr lang="en-US" smtClean="0"/>
+              <a:rPr lang="en-US" dirty="0" smtClean="0"/>
               <a:t>Click to edit Master text styles</a:t>
             </a:r>
           </a:p>
           <a:p>
             <a:pPr lvl="1"/>
             <a:r>
-              <a:rPr lang="en-US" smtClean="0"/>
+              <a:rPr lang="en-US" dirty="0" smtClean="0"/>
               <a:t>Second level</a:t>
             </a:r>
           </a:p>
           <a:p>
             <a:pPr lvl="2"/>
             <a:r>
-              <a:rPr lang="en-US" smtClean="0"/>
+              <a:rPr lang="en-US" dirty="0" smtClean="0"/>
               <a:t>Third level</a:t>
             </a:r>
           </a:p>
           <a:p>
             <a:pPr lvl="3"/>
             <a:r>
-              <a:rPr lang="en-US" smtClean="0"/>
+              <a:rPr lang="en-US" dirty="0" smtClean="0"/>
               <a:t>Fourth level</a:t>
             </a:r>
           </a:p>
           <a:p>
             <a:pPr lvl="4"/>
             <a:r>
-              <a:rPr lang="en-US" smtClean="0"/>
+              <a:rPr lang="en-US" dirty="0" smtClean="0"/>
               <a:t>Fifth level</a:t>
             </a:r>
-            <a:endParaRPr lang="en-US"/>
+            <a:endParaRPr lang="en-US" dirty="0"/>
           </a:p>
         </p:txBody>
       </p:sp>
@@ -4433,6 +4501,13 @@
     <p:sldLayoutId id="2147483658" r:id="rId10"/>
     <p:sldLayoutId id="2147483659" r:id="rId11"/>
   </p:sldLayoutIdLst>
+  <p:timing>
+    <p:tnLst>
+      <p:par>
+        <p:cTn id="1" dur="indefinite" restart="never" nodeType="tmRoot"/>
+      </p:par>
+    </p:tnLst>
+  </p:timing>
   <p:txStyles>
     <p:titleStyle>
       <a:lvl1pPr algn="l" defTabSz="914400" rtl="0" eaLnBrk="1" latinLnBrk="0" hangingPunct="1">
@@ -4445,11 +4520,11 @@
         <a:buNone/>
         <a:defRPr sz="4400" kern="1200">
           <a:solidFill>
-            <a:schemeClr val="tx1"/>
+            <a:srgbClr val="C00000"/>
           </a:solidFill>
-          <a:latin typeface="+mj-lt"/>
+          <a:latin typeface="Times New Roman" panose="02020603050405020304" pitchFamily="18" charset="0"/>
           <a:ea typeface="+mj-ea"/>
-          <a:cs typeface="+mj-cs"/>
+          <a:cs typeface="Times New Roman" panose="02020603050405020304" pitchFamily="18" charset="0"/>
         </a:defRPr>
       </a:lvl1pPr>
     </p:titleStyle>
@@ -4467,7 +4542,7 @@
           <a:solidFill>
             <a:schemeClr val="tx1"/>
           </a:solidFill>
-          <a:latin typeface="+mn-lt"/>
+          <a:latin typeface="Comic Sans MS" panose="030F0702030302020204" pitchFamily="66" charset="0"/>
           <a:ea typeface="+mn-ea"/>
           <a:cs typeface="+mn-cs"/>
         </a:defRPr>
@@ -4485,7 +4560,7 @@
           <a:solidFill>
             <a:schemeClr val="tx1"/>
           </a:solidFill>
-          <a:latin typeface="+mn-lt"/>
+          <a:latin typeface="Comic Sans MS" panose="030F0702030302020204" pitchFamily="66" charset="0"/>
           <a:ea typeface="+mn-ea"/>
           <a:cs typeface="+mn-cs"/>
         </a:defRPr>
@@ -4503,7 +4578,7 @@
           <a:solidFill>
             <a:schemeClr val="tx1"/>
           </a:solidFill>
-          <a:latin typeface="+mn-lt"/>
+          <a:latin typeface="Comic Sans MS" panose="030F0702030302020204" pitchFamily="66" charset="0"/>
           <a:ea typeface="+mn-ea"/>
           <a:cs typeface="+mn-cs"/>
         </a:defRPr>
@@ -4521,7 +4596,7 @@
           <a:solidFill>
             <a:schemeClr val="tx1"/>
           </a:solidFill>
-          <a:latin typeface="+mn-lt"/>
+          <a:latin typeface="Comic Sans MS" panose="030F0702030302020204" pitchFamily="66" charset="0"/>
           <a:ea typeface="+mn-ea"/>
           <a:cs typeface="+mn-cs"/>
         </a:defRPr>
@@ -4539,7 +4614,7 @@
           <a:solidFill>
             <a:schemeClr val="tx1"/>
           </a:solidFill>
-          <a:latin typeface="+mn-lt"/>
+          <a:latin typeface="Comic Sans MS" panose="030F0702030302020204" pitchFamily="66" charset="0"/>
           <a:ea typeface="+mn-ea"/>
           <a:cs typeface="+mn-cs"/>
         </a:defRPr>
@@ -5179,7 +5254,6 @@
               <a:rPr lang="en-GB" dirty="0" smtClean="0"/>
               <a:t>, OUTPUT);</a:t>
             </a:r>
-            <a:endParaRPr lang="en-GB" dirty="0" smtClean="0"/>
           </a:p>
           <a:p>
             <a:pPr marL="514350" indent="-514350">
@@ -5236,7 +5310,6 @@
               <a:rPr lang="en-GB" dirty="0" smtClean="0"/>
               <a:t>);   (NOTE: X will be either zero or one) </a:t>
             </a:r>
-            <a:endParaRPr lang="en-GB" dirty="0" smtClean="0"/>
           </a:p>
           <a:p>
             <a:pPr marL="971550" lvl="1" indent="-514350">
@@ -5296,7 +5369,6 @@
               <a:rPr lang="en-GB" dirty="0" smtClean="0"/>
               <a:t>, HIGH);</a:t>
             </a:r>
-            <a:endParaRPr lang="en-GB" dirty="0" smtClean="0"/>
           </a:p>
         </p:txBody>
       </p:sp>
@@ -5697,7 +5769,7 @@
         </p:spPr>
         <p:txBody>
           <a:bodyPr>
-            <a:normAutofit fontScale="70000" lnSpcReduction="20000"/>
+            <a:normAutofit fontScale="62500" lnSpcReduction="20000"/>
           </a:bodyPr>
           <a:lstStyle/>
           <a:p>
@@ -5965,7 +6037,7 @@
         </p:spPr>
         <p:txBody>
           <a:bodyPr>
-            <a:normAutofit fontScale="92500" lnSpcReduction="10000"/>
+            <a:normAutofit fontScale="85000" lnSpcReduction="20000"/>
           </a:bodyPr>
           <a:lstStyle/>
           <a:p>
@@ -7288,11 +7360,7 @@
             </a:pPr>
             <a:r>
               <a:rPr lang="en-US" dirty="0" smtClean="0"/>
-              <a:t>To control </a:t>
-            </a:r>
-            <a:r>
-              <a:rPr lang="en-US" dirty="0" smtClean="0"/>
-              <a:t>directions</a:t>
+              <a:t>To control directions</a:t>
             </a:r>
             <a:endParaRPr lang="en-US" dirty="0"/>
           </a:p>
@@ -7781,11 +7849,7 @@
             <a:pPr lvl="1"/>
             <a:r>
               <a:rPr lang="en-GB" dirty="0" smtClean="0"/>
-              <a:t>Day (5): </a:t>
-            </a:r>
-            <a:r>
-              <a:rPr lang="en-GB" dirty="0" smtClean="0"/>
-              <a:t>If needed</a:t>
+              <a:t>Day (5): If needed</a:t>
             </a:r>
           </a:p>
           <a:p>
